--- a/final.pptx
+++ b/final.pptx
@@ -6,7 +6,7 @@
     <p:sldMasterId id="2147483661" r:id="rId2"/>
   </p:sldMasterIdLst>
   <p:notesMasterIdLst>
-    <p:notesMasterId r:id="rId17"/>
+    <p:notesMasterId r:id="rId19"/>
   </p:notesMasterIdLst>
   <p:sldIdLst>
     <p:sldId id="256" r:id="rId3"/>
@@ -23,48 +23,50 @@
     <p:sldId id="298" r:id="rId14"/>
     <p:sldId id="260" r:id="rId15"/>
     <p:sldId id="279" r:id="rId16"/>
+    <p:sldId id="299" r:id="rId17"/>
+    <p:sldId id="300" r:id="rId18"/>
   </p:sldIdLst>
   <p:sldSz cx="9144000" cy="5143500" type="screen16x9"/>
   <p:notesSz cx="6858000" cy="9144000"/>
   <p:embeddedFontLst>
     <p:embeddedFont>
       <p:font typeface="Anaheim" panose="02000503000000000000" pitchFamily="2" charset="0"/>
-      <p:regular r:id="rId18"/>
+      <p:regular r:id="rId20"/>
     </p:embeddedFont>
     <p:embeddedFont>
       <p:font typeface="Inter" panose="020B0604020202020204" charset="0"/>
-      <p:regular r:id="rId19"/>
-      <p:bold r:id="rId20"/>
-      <p:italic r:id="rId21"/>
-      <p:boldItalic r:id="rId22"/>
+      <p:regular r:id="rId21"/>
+      <p:bold r:id="rId22"/>
+      <p:italic r:id="rId23"/>
+      <p:boldItalic r:id="rId24"/>
     </p:embeddedFont>
     <p:embeddedFont>
       <p:font typeface="Manrope Medium" panose="020B0604020202020204" charset="0"/>
-      <p:regular r:id="rId23"/>
-      <p:bold r:id="rId24"/>
-    </p:embeddedFont>
-    <p:embeddedFont>
-      <p:font typeface="Manrope SemiBold" panose="020B0604020202020204" charset="0"/>
       <p:regular r:id="rId25"/>
       <p:bold r:id="rId26"/>
     </p:embeddedFont>
     <p:embeddedFont>
-      <p:font typeface="Proxima Nova" panose="020B0604020202020204" charset="0"/>
+      <p:font typeface="Manrope SemiBold" panose="020B0604020202020204" charset="0"/>
       <p:regular r:id="rId27"/>
       <p:bold r:id="rId28"/>
-      <p:italic r:id="rId29"/>
-      <p:boldItalic r:id="rId30"/>
+    </p:embeddedFont>
+    <p:embeddedFont>
+      <p:font typeface="Proxima Nova" panose="020B0604020202020204" charset="0"/>
+      <p:regular r:id="rId29"/>
+      <p:bold r:id="rId30"/>
+      <p:italic r:id="rId31"/>
+      <p:boldItalic r:id="rId32"/>
     </p:embeddedFont>
     <p:embeddedFont>
       <p:font typeface="Proxima Nova Semibold" panose="020B0604020202020204" charset="0"/>
-      <p:regular r:id="rId31"/>
-      <p:bold r:id="rId32"/>
-      <p:boldItalic r:id="rId33"/>
+      <p:regular r:id="rId33"/>
+      <p:bold r:id="rId34"/>
+      <p:boldItalic r:id="rId35"/>
     </p:embeddedFont>
     <p:embeddedFont>
       <p:font typeface="Roboto Condensed Light" panose="02000000000000000000" pitchFamily="2" charset="0"/>
-      <p:regular r:id="rId34"/>
-      <p:italic r:id="rId35"/>
+      <p:regular r:id="rId36"/>
+      <p:italic r:id="rId37"/>
     </p:embeddedFont>
   </p:embeddedFontLst>
   <p:defaultTextStyle>
@@ -1385,6 +1387,224 @@
         </p:txBody>
       </p:sp>
     </p:spTree>
+  </p:cSld>
+  <p:clrMapOvr>
+    <a:masterClrMapping/>
+  </p:clrMapOvr>
+</p:notes>
+</file>
+
+<file path=ppt/notesSlides/notesSlide15.xml><?xml version="1.0" encoding="utf-8"?>
+<p:notes xmlns:a="http://schemas.openxmlformats.org/drawingml/2006/main" xmlns:r="http://schemas.openxmlformats.org/officeDocument/2006/relationships" xmlns:p="http://schemas.openxmlformats.org/presentationml/2006/main" showMasterSp="0" showMasterPhAnim="0">
+  <p:cSld>
+    <p:spTree>
+      <p:nvGrpSpPr>
+        <p:cNvPr id="1" name="Shape 1118"/>
+        <p:cNvGrpSpPr/>
+        <p:nvPr/>
+      </p:nvGrpSpPr>
+      <p:grpSpPr>
+        <a:xfrm>
+          <a:off x="0" y="0"/>
+          <a:ext cx="0" cy="0"/>
+          <a:chOff x="0" y="0"/>
+          <a:chExt cx="0" cy="0"/>
+        </a:xfrm>
+      </p:grpSpPr>
+      <p:sp>
+        <p:nvSpPr>
+          <p:cNvPr id="1119" name="Google Shape;1119;g29cdf820724_0_392:notes"/>
+          <p:cNvSpPr>
+            <a:spLocks noGrp="1" noRot="1" noChangeAspect="1"/>
+          </p:cNvSpPr>
+          <p:nvPr>
+            <p:ph type="sldImg" idx="2"/>
+          </p:nvPr>
+        </p:nvSpPr>
+        <p:spPr>
+          <a:xfrm>
+            <a:off x="381000" y="685800"/>
+            <a:ext cx="6096000" cy="3429000"/>
+          </a:xfrm>
+          <a:custGeom>
+            <a:avLst/>
+            <a:gdLst/>
+            <a:ahLst/>
+            <a:cxnLst/>
+            <a:rect l="l" t="t" r="r" b="b"/>
+            <a:pathLst>
+              <a:path w="120000" h="120000" extrusionOk="0">
+                <a:moveTo>
+                  <a:pt x="0" y="0"/>
+                </a:moveTo>
+                <a:lnTo>
+                  <a:pt x="120000" y="0"/>
+                </a:lnTo>
+                <a:lnTo>
+                  <a:pt x="120000" y="120000"/>
+                </a:lnTo>
+                <a:lnTo>
+                  <a:pt x="0" y="120000"/>
+                </a:lnTo>
+                <a:close/>
+              </a:path>
+            </a:pathLst>
+          </a:custGeom>
+        </p:spPr>
+      </p:sp>
+      <p:sp>
+        <p:nvSpPr>
+          <p:cNvPr id="1120" name="Google Shape;1120;g29cdf820724_0_392:notes"/>
+          <p:cNvSpPr txBox="1">
+            <a:spLocks noGrp="1"/>
+          </p:cNvSpPr>
+          <p:nvPr>
+            <p:ph type="body" idx="1"/>
+          </p:nvPr>
+        </p:nvSpPr>
+        <p:spPr>
+          <a:xfrm>
+            <a:off x="685800" y="4343400"/>
+            <a:ext cx="5486400" cy="4114800"/>
+          </a:xfrm>
+          <a:prstGeom prst="rect">
+            <a:avLst/>
+          </a:prstGeom>
+        </p:spPr>
+        <p:txBody>
+          <a:bodyPr spcFirstLastPara="1" wrap="square" lIns="91425" tIns="91425" rIns="91425" bIns="91425" anchor="t" anchorCtr="0">
+            <a:noAutofit/>
+          </a:bodyPr>
+          <a:lstStyle/>
+          <a:p>
+            <a:pPr marL="0" lvl="0" indent="0" algn="l" rtl="0">
+              <a:spcBef>
+                <a:spcPts val="0"/>
+              </a:spcBef>
+              <a:spcAft>
+                <a:spcPts val="0"/>
+              </a:spcAft>
+              <a:buNone/>
+            </a:pPr>
+            <a:endParaRPr/>
+          </a:p>
+        </p:txBody>
+      </p:sp>
+    </p:spTree>
+    <p:extLst>
+      <p:ext uri="{BB962C8B-B14F-4D97-AF65-F5344CB8AC3E}">
+        <p14:creationId xmlns:p14="http://schemas.microsoft.com/office/powerpoint/2010/main" val="2597125778"/>
+      </p:ext>
+    </p:extLst>
+  </p:cSld>
+  <p:clrMapOvr>
+    <a:masterClrMapping/>
+  </p:clrMapOvr>
+</p:notes>
+</file>
+
+<file path=ppt/notesSlides/notesSlide16.xml><?xml version="1.0" encoding="utf-8"?>
+<p:notes xmlns:a="http://schemas.openxmlformats.org/drawingml/2006/main" xmlns:r="http://schemas.openxmlformats.org/officeDocument/2006/relationships" xmlns:p="http://schemas.openxmlformats.org/presentationml/2006/main" showMasterSp="0" showMasterPhAnim="0">
+  <p:cSld>
+    <p:spTree>
+      <p:nvGrpSpPr>
+        <p:cNvPr id="1" name="Shape 1118"/>
+        <p:cNvGrpSpPr/>
+        <p:nvPr/>
+      </p:nvGrpSpPr>
+      <p:grpSpPr>
+        <a:xfrm>
+          <a:off x="0" y="0"/>
+          <a:ext cx="0" cy="0"/>
+          <a:chOff x="0" y="0"/>
+          <a:chExt cx="0" cy="0"/>
+        </a:xfrm>
+      </p:grpSpPr>
+      <p:sp>
+        <p:nvSpPr>
+          <p:cNvPr id="1119" name="Google Shape;1119;g29cdf820724_0_392:notes"/>
+          <p:cNvSpPr>
+            <a:spLocks noGrp="1" noRot="1" noChangeAspect="1"/>
+          </p:cNvSpPr>
+          <p:nvPr>
+            <p:ph type="sldImg" idx="2"/>
+          </p:nvPr>
+        </p:nvSpPr>
+        <p:spPr>
+          <a:xfrm>
+            <a:off x="381000" y="685800"/>
+            <a:ext cx="6096000" cy="3429000"/>
+          </a:xfrm>
+          <a:custGeom>
+            <a:avLst/>
+            <a:gdLst/>
+            <a:ahLst/>
+            <a:cxnLst/>
+            <a:rect l="l" t="t" r="r" b="b"/>
+            <a:pathLst>
+              <a:path w="120000" h="120000" extrusionOk="0">
+                <a:moveTo>
+                  <a:pt x="0" y="0"/>
+                </a:moveTo>
+                <a:lnTo>
+                  <a:pt x="120000" y="0"/>
+                </a:lnTo>
+                <a:lnTo>
+                  <a:pt x="120000" y="120000"/>
+                </a:lnTo>
+                <a:lnTo>
+                  <a:pt x="0" y="120000"/>
+                </a:lnTo>
+                <a:close/>
+              </a:path>
+            </a:pathLst>
+          </a:custGeom>
+        </p:spPr>
+      </p:sp>
+      <p:sp>
+        <p:nvSpPr>
+          <p:cNvPr id="1120" name="Google Shape;1120;g29cdf820724_0_392:notes"/>
+          <p:cNvSpPr txBox="1">
+            <a:spLocks noGrp="1"/>
+          </p:cNvSpPr>
+          <p:nvPr>
+            <p:ph type="body" idx="1"/>
+          </p:nvPr>
+        </p:nvSpPr>
+        <p:spPr>
+          <a:xfrm>
+            <a:off x="685800" y="4343400"/>
+            <a:ext cx="5486400" cy="4114800"/>
+          </a:xfrm>
+          <a:prstGeom prst="rect">
+            <a:avLst/>
+          </a:prstGeom>
+        </p:spPr>
+        <p:txBody>
+          <a:bodyPr spcFirstLastPara="1" wrap="square" lIns="91425" tIns="91425" rIns="91425" bIns="91425" anchor="t" anchorCtr="0">
+            <a:noAutofit/>
+          </a:bodyPr>
+          <a:lstStyle/>
+          <a:p>
+            <a:pPr marL="0" lvl="0" indent="0" algn="l" rtl="0">
+              <a:spcBef>
+                <a:spcPts val="0"/>
+              </a:spcBef>
+              <a:spcAft>
+                <a:spcPts val="0"/>
+              </a:spcAft>
+              <a:buNone/>
+            </a:pPr>
+            <a:endParaRPr/>
+          </a:p>
+        </p:txBody>
+      </p:sp>
+    </p:spTree>
+    <p:extLst>
+      <p:ext uri="{BB962C8B-B14F-4D97-AF65-F5344CB8AC3E}">
+        <p14:creationId xmlns:p14="http://schemas.microsoft.com/office/powerpoint/2010/main" val="330741521"/>
+      </p:ext>
+    </p:extLst>
   </p:cSld>
   <p:clrMapOvr>
     <a:masterClrMapping/>
@@ -40899,6 +41119,170 @@
 </p:sld>
 </file>
 
+<file path=ppt/slides/slide15.xml><?xml version="1.0" encoding="utf-8"?>
+<p:sld xmlns:a="http://schemas.openxmlformats.org/drawingml/2006/main" xmlns:r="http://schemas.openxmlformats.org/officeDocument/2006/relationships" xmlns:p="http://schemas.openxmlformats.org/presentationml/2006/main">
+  <p:cSld>
+    <p:spTree>
+      <p:nvGrpSpPr>
+        <p:cNvPr id="1" name="Shape 1121"/>
+        <p:cNvGrpSpPr/>
+        <p:nvPr/>
+      </p:nvGrpSpPr>
+      <p:grpSpPr>
+        <a:xfrm>
+          <a:off x="0" y="0"/>
+          <a:ext cx="0" cy="0"/>
+          <a:chOff x="0" y="0"/>
+          <a:chExt cx="0" cy="0"/>
+        </a:xfrm>
+      </p:grpSpPr>
+      <p:sp>
+        <p:nvSpPr>
+          <p:cNvPr id="1122" name="Google Shape;1122;p38"/>
+          <p:cNvSpPr txBox="1">
+            <a:spLocks noGrp="1"/>
+          </p:cNvSpPr>
+          <p:nvPr>
+            <p:ph type="title"/>
+          </p:nvPr>
+        </p:nvSpPr>
+        <p:spPr>
+          <a:xfrm>
+            <a:off x="713250" y="2217750"/>
+            <a:ext cx="7717500" cy="708000"/>
+          </a:xfrm>
+          <a:prstGeom prst="rect">
+            <a:avLst/>
+          </a:prstGeom>
+        </p:spPr>
+        <p:txBody>
+          <a:bodyPr spcFirstLastPara="1" wrap="square" lIns="91425" tIns="91425" rIns="91425" bIns="91425" anchor="t" anchorCtr="0">
+            <a:noAutofit/>
+          </a:bodyPr>
+          <a:lstStyle/>
+          <a:p>
+            <a:pPr marL="0" lvl="0" indent="0" algn="ctr" rtl="0">
+              <a:spcBef>
+                <a:spcPts val="0"/>
+              </a:spcBef>
+              <a:spcAft>
+                <a:spcPts val="0"/>
+              </a:spcAft>
+              <a:buNone/>
+            </a:pPr>
+            <a:r>
+              <a:rPr lang="en-US" dirty="0" err="1">
+                <a:latin typeface="Anaheim" panose="02000503000000000000" pitchFamily="2" charset="0"/>
+              </a:rPr>
+              <a:t>Avez-vous</a:t>
+            </a:r>
+            <a:r>
+              <a:rPr lang="en-US" dirty="0">
+                <a:latin typeface="Anaheim" panose="02000503000000000000" pitchFamily="2" charset="0"/>
+              </a:rPr>
+              <a:t> des questions ?</a:t>
+            </a:r>
+          </a:p>
+        </p:txBody>
+      </p:sp>
+    </p:spTree>
+    <p:extLst>
+      <p:ext uri="{BB962C8B-B14F-4D97-AF65-F5344CB8AC3E}">
+        <p14:creationId xmlns:p14="http://schemas.microsoft.com/office/powerpoint/2010/main" val="941663631"/>
+      </p:ext>
+    </p:extLst>
+  </p:cSld>
+  <p:clrMapOvr>
+    <a:masterClrMapping/>
+  </p:clrMapOvr>
+</p:sld>
+</file>
+
+<file path=ppt/slides/slide16.xml><?xml version="1.0" encoding="utf-8"?>
+<p:sld xmlns:a="http://schemas.openxmlformats.org/drawingml/2006/main" xmlns:r="http://schemas.openxmlformats.org/officeDocument/2006/relationships" xmlns:p="http://schemas.openxmlformats.org/presentationml/2006/main">
+  <p:cSld>
+    <p:spTree>
+      <p:nvGrpSpPr>
+        <p:cNvPr id="1" name="Shape 1121"/>
+        <p:cNvGrpSpPr/>
+        <p:nvPr/>
+      </p:nvGrpSpPr>
+      <p:grpSpPr>
+        <a:xfrm>
+          <a:off x="0" y="0"/>
+          <a:ext cx="0" cy="0"/>
+          <a:chOff x="0" y="0"/>
+          <a:chExt cx="0" cy="0"/>
+        </a:xfrm>
+      </p:grpSpPr>
+      <p:sp>
+        <p:nvSpPr>
+          <p:cNvPr id="1122" name="Google Shape;1122;p38"/>
+          <p:cNvSpPr txBox="1">
+            <a:spLocks noGrp="1"/>
+          </p:cNvSpPr>
+          <p:nvPr>
+            <p:ph type="title"/>
+          </p:nvPr>
+        </p:nvSpPr>
+        <p:spPr>
+          <a:xfrm>
+            <a:off x="713250" y="2217750"/>
+            <a:ext cx="7717500" cy="708000"/>
+          </a:xfrm>
+          <a:prstGeom prst="rect">
+            <a:avLst/>
+          </a:prstGeom>
+        </p:spPr>
+        <p:txBody>
+          <a:bodyPr spcFirstLastPara="1" wrap="square" lIns="91425" tIns="91425" rIns="91425" bIns="91425" anchor="t" anchorCtr="0">
+            <a:noAutofit/>
+          </a:bodyPr>
+          <a:lstStyle/>
+          <a:p>
+            <a:pPr marL="0" lvl="0" indent="0" algn="ctr" rtl="0">
+              <a:spcBef>
+                <a:spcPts val="0"/>
+              </a:spcBef>
+              <a:spcAft>
+                <a:spcPts val="0"/>
+              </a:spcAft>
+              <a:buNone/>
+            </a:pPr>
+            <a:r>
+              <a:rPr lang="en-US" dirty="0">
+                <a:latin typeface="Anaheim" panose="02000503000000000000" pitchFamily="2" charset="0"/>
+              </a:rPr>
+              <a:t>Merci pour </a:t>
+            </a:r>
+            <a:r>
+              <a:rPr lang="en-US" dirty="0" err="1">
+                <a:latin typeface="Anaheim" panose="02000503000000000000" pitchFamily="2" charset="0"/>
+              </a:rPr>
+              <a:t>votre</a:t>
+            </a:r>
+            <a:r>
+              <a:rPr lang="en-US" dirty="0">
+                <a:latin typeface="Anaheim" panose="02000503000000000000" pitchFamily="2" charset="0"/>
+              </a:rPr>
+              <a:t> attention.</a:t>
+            </a:r>
+          </a:p>
+        </p:txBody>
+      </p:sp>
+    </p:spTree>
+    <p:extLst>
+      <p:ext uri="{BB962C8B-B14F-4D97-AF65-F5344CB8AC3E}">
+        <p14:creationId xmlns:p14="http://schemas.microsoft.com/office/powerpoint/2010/main" val="2986303855"/>
+      </p:ext>
+    </p:extLst>
+  </p:cSld>
+  <p:clrMapOvr>
+    <a:masterClrMapping/>
+  </p:clrMapOvr>
+</p:sld>
+</file>
+
 <file path=ppt/slides/slide2.xml><?xml version="1.0" encoding="utf-8"?>
 <p:sld xmlns:a="http://schemas.openxmlformats.org/drawingml/2006/main" xmlns:r="http://schemas.openxmlformats.org/officeDocument/2006/relationships" xmlns:p="http://schemas.openxmlformats.org/presentationml/2006/main">
   <p:cSld>
@@ -40951,10 +41335,14 @@
               <a:buNone/>
             </a:pPr>
             <a:r>
-              <a:rPr lang="fr-FR" dirty="0"/>
+              <a:rPr lang="fr-FR" dirty="0">
+                <a:latin typeface="Anaheim" panose="02000503000000000000" pitchFamily="2" charset="0"/>
+              </a:rPr>
               <a:t>Définition de la gestion financière personnelle </a:t>
             </a:r>
-            <a:endParaRPr lang="en-US" dirty="0"/>
+            <a:endParaRPr lang="en-US" dirty="0">
+              <a:latin typeface="Anaheim" panose="02000503000000000000" pitchFamily="2" charset="0"/>
+            </a:endParaRPr>
           </a:p>
         </p:txBody>
       </p:sp>

--- a/final.pptx
+++ b/final.pptx
@@ -6,7 +6,7 @@
     <p:sldMasterId id="2147483661" r:id="rId2"/>
   </p:sldMasterIdLst>
   <p:notesMasterIdLst>
-    <p:notesMasterId r:id="rId19"/>
+    <p:notesMasterId r:id="rId21"/>
   </p:notesMasterIdLst>
   <p:sldIdLst>
     <p:sldId id="256" r:id="rId3"/>
@@ -22,51 +22,53 @@
     <p:sldId id="297" r:id="rId13"/>
     <p:sldId id="298" r:id="rId14"/>
     <p:sldId id="260" r:id="rId15"/>
-    <p:sldId id="279" r:id="rId16"/>
-    <p:sldId id="299" r:id="rId17"/>
-    <p:sldId id="300" r:id="rId18"/>
+    <p:sldId id="301" r:id="rId16"/>
+    <p:sldId id="302" r:id="rId17"/>
+    <p:sldId id="279" r:id="rId18"/>
+    <p:sldId id="299" r:id="rId19"/>
+    <p:sldId id="300" r:id="rId20"/>
   </p:sldIdLst>
   <p:sldSz cx="9144000" cy="5143500" type="screen16x9"/>
   <p:notesSz cx="6858000" cy="9144000"/>
   <p:embeddedFontLst>
     <p:embeddedFont>
       <p:font typeface="Anaheim" panose="02000503000000000000" pitchFamily="2" charset="0"/>
-      <p:regular r:id="rId20"/>
+      <p:regular r:id="rId22"/>
     </p:embeddedFont>
     <p:embeddedFont>
       <p:font typeface="Inter" panose="020B0604020202020204" charset="0"/>
-      <p:regular r:id="rId21"/>
-      <p:bold r:id="rId22"/>
-      <p:italic r:id="rId23"/>
-      <p:boldItalic r:id="rId24"/>
+      <p:regular r:id="rId23"/>
+      <p:bold r:id="rId24"/>
+      <p:italic r:id="rId25"/>
+      <p:boldItalic r:id="rId26"/>
     </p:embeddedFont>
     <p:embeddedFont>
       <p:font typeface="Manrope Medium" panose="020B0604020202020204" charset="0"/>
-      <p:regular r:id="rId25"/>
-      <p:bold r:id="rId26"/>
-    </p:embeddedFont>
-    <p:embeddedFont>
-      <p:font typeface="Manrope SemiBold" panose="020B0604020202020204" charset="0"/>
       <p:regular r:id="rId27"/>
       <p:bold r:id="rId28"/>
     </p:embeddedFont>
     <p:embeddedFont>
-      <p:font typeface="Proxima Nova" panose="020B0604020202020204" charset="0"/>
+      <p:font typeface="Manrope SemiBold" panose="020B0604020202020204" charset="0"/>
       <p:regular r:id="rId29"/>
       <p:bold r:id="rId30"/>
-      <p:italic r:id="rId31"/>
-      <p:boldItalic r:id="rId32"/>
+    </p:embeddedFont>
+    <p:embeddedFont>
+      <p:font typeface="Proxima Nova" panose="020B0604020202020204" charset="0"/>
+      <p:regular r:id="rId31"/>
+      <p:bold r:id="rId32"/>
+      <p:italic r:id="rId33"/>
+      <p:boldItalic r:id="rId34"/>
     </p:embeddedFont>
     <p:embeddedFont>
       <p:font typeface="Proxima Nova Semibold" panose="020B0604020202020204" charset="0"/>
-      <p:regular r:id="rId33"/>
-      <p:bold r:id="rId34"/>
-      <p:boldItalic r:id="rId35"/>
+      <p:regular r:id="rId35"/>
+      <p:bold r:id="rId36"/>
+      <p:boldItalic r:id="rId37"/>
     </p:embeddedFont>
     <p:embeddedFont>
       <p:font typeface="Roboto Condensed Light" panose="02000000000000000000" pitchFamily="2" charset="0"/>
-      <p:regular r:id="rId36"/>
-      <p:italic r:id="rId37"/>
+      <p:regular r:id="rId38"/>
+      <p:italic r:id="rId39"/>
     </p:embeddedFont>
   </p:embeddedFontLst>
   <p:defaultTextStyle>
@@ -1295,6 +1297,260 @@
   <p:cSld>
     <p:spTree>
       <p:nvGrpSpPr>
+        <p:cNvPr id="1" name="Shape 588">
+          <a:extLst>
+            <a:ext uri="{FF2B5EF4-FFF2-40B4-BE49-F238E27FC236}">
+              <a16:creationId xmlns:a16="http://schemas.microsoft.com/office/drawing/2014/main" id="{1F3A3A2B-571A-4E70-7A88-4FCD95611D97}"/>
+            </a:ext>
+          </a:extLst>
+        </p:cNvPr>
+        <p:cNvGrpSpPr/>
+        <p:nvPr/>
+      </p:nvGrpSpPr>
+      <p:grpSpPr>
+        <a:xfrm>
+          <a:off x="0" y="0"/>
+          <a:ext cx="0" cy="0"/>
+          <a:chOff x="0" y="0"/>
+          <a:chExt cx="0" cy="0"/>
+        </a:xfrm>
+      </p:grpSpPr>
+      <p:sp>
+        <p:nvSpPr>
+          <p:cNvPr id="589" name="Google Shape;589;g29a7acb6325_0_402:notes">
+            <a:extLst>
+              <a:ext uri="{FF2B5EF4-FFF2-40B4-BE49-F238E27FC236}">
+                <a16:creationId xmlns:a16="http://schemas.microsoft.com/office/drawing/2014/main" id="{14CB99DB-E5DA-DAFA-74DB-E06E15CBFBDD}"/>
+              </a:ext>
+            </a:extLst>
+          </p:cNvPr>
+          <p:cNvSpPr>
+            <a:spLocks noGrp="1" noRot="1" noChangeAspect="1"/>
+          </p:cNvSpPr>
+          <p:nvPr>
+            <p:ph type="sldImg" idx="2"/>
+          </p:nvPr>
+        </p:nvSpPr>
+        <p:spPr>
+          <a:xfrm>
+            <a:off x="381000" y="685800"/>
+            <a:ext cx="6096000" cy="3429000"/>
+          </a:xfrm>
+          <a:custGeom>
+            <a:avLst/>
+            <a:gdLst/>
+            <a:ahLst/>
+            <a:cxnLst/>
+            <a:rect l="l" t="t" r="r" b="b"/>
+            <a:pathLst>
+              <a:path w="120000" h="120000" extrusionOk="0">
+                <a:moveTo>
+                  <a:pt x="0" y="0"/>
+                </a:moveTo>
+                <a:lnTo>
+                  <a:pt x="120000" y="0"/>
+                </a:lnTo>
+                <a:lnTo>
+                  <a:pt x="120000" y="120000"/>
+                </a:lnTo>
+                <a:lnTo>
+                  <a:pt x="0" y="120000"/>
+                </a:lnTo>
+                <a:close/>
+              </a:path>
+            </a:pathLst>
+          </a:custGeom>
+        </p:spPr>
+      </p:sp>
+      <p:sp>
+        <p:nvSpPr>
+          <p:cNvPr id="590" name="Google Shape;590;g29a7acb6325_0_402:notes">
+            <a:extLst>
+              <a:ext uri="{FF2B5EF4-FFF2-40B4-BE49-F238E27FC236}">
+                <a16:creationId xmlns:a16="http://schemas.microsoft.com/office/drawing/2014/main" id="{4F492FC3-E99C-6E6D-2A51-F8F316078984}"/>
+              </a:ext>
+            </a:extLst>
+          </p:cNvPr>
+          <p:cNvSpPr txBox="1">
+            <a:spLocks noGrp="1"/>
+          </p:cNvSpPr>
+          <p:nvPr>
+            <p:ph type="body" idx="1"/>
+          </p:nvPr>
+        </p:nvSpPr>
+        <p:spPr>
+          <a:xfrm>
+            <a:off x="685800" y="4343400"/>
+            <a:ext cx="5486400" cy="4114800"/>
+          </a:xfrm>
+          <a:prstGeom prst="rect">
+            <a:avLst/>
+          </a:prstGeom>
+        </p:spPr>
+        <p:txBody>
+          <a:bodyPr spcFirstLastPara="1" wrap="square" lIns="91425" tIns="91425" rIns="91425" bIns="91425" anchor="t" anchorCtr="0">
+            <a:noAutofit/>
+          </a:bodyPr>
+          <a:lstStyle/>
+          <a:p>
+            <a:pPr marL="0" lvl="0" indent="0" algn="l" rtl="0">
+              <a:spcBef>
+                <a:spcPts val="0"/>
+              </a:spcBef>
+              <a:spcAft>
+                <a:spcPts val="0"/>
+              </a:spcAft>
+              <a:buNone/>
+            </a:pPr>
+            <a:endParaRPr/>
+          </a:p>
+        </p:txBody>
+      </p:sp>
+    </p:spTree>
+    <p:extLst>
+      <p:ext uri="{BB962C8B-B14F-4D97-AF65-F5344CB8AC3E}">
+        <p14:creationId xmlns:p14="http://schemas.microsoft.com/office/powerpoint/2010/main" val="3202961955"/>
+      </p:ext>
+    </p:extLst>
+  </p:cSld>
+  <p:clrMapOvr>
+    <a:masterClrMapping/>
+  </p:clrMapOvr>
+</p:notes>
+</file>
+
+<file path=ppt/notesSlides/notesSlide15.xml><?xml version="1.0" encoding="utf-8"?>
+<p:notes xmlns:a="http://schemas.openxmlformats.org/drawingml/2006/main" xmlns:r="http://schemas.openxmlformats.org/officeDocument/2006/relationships" xmlns:p="http://schemas.openxmlformats.org/presentationml/2006/main" showMasterSp="0" showMasterPhAnim="0">
+  <p:cSld>
+    <p:spTree>
+      <p:nvGrpSpPr>
+        <p:cNvPr id="1" name="Shape 588">
+          <a:extLst>
+            <a:ext uri="{FF2B5EF4-FFF2-40B4-BE49-F238E27FC236}">
+              <a16:creationId xmlns:a16="http://schemas.microsoft.com/office/drawing/2014/main" id="{1BFE571E-DC8F-8A65-CE17-C42B3AC46175}"/>
+            </a:ext>
+          </a:extLst>
+        </p:cNvPr>
+        <p:cNvGrpSpPr/>
+        <p:nvPr/>
+      </p:nvGrpSpPr>
+      <p:grpSpPr>
+        <a:xfrm>
+          <a:off x="0" y="0"/>
+          <a:ext cx="0" cy="0"/>
+          <a:chOff x="0" y="0"/>
+          <a:chExt cx="0" cy="0"/>
+        </a:xfrm>
+      </p:grpSpPr>
+      <p:sp>
+        <p:nvSpPr>
+          <p:cNvPr id="589" name="Google Shape;589;g29a7acb6325_0_402:notes">
+            <a:extLst>
+              <a:ext uri="{FF2B5EF4-FFF2-40B4-BE49-F238E27FC236}">
+                <a16:creationId xmlns:a16="http://schemas.microsoft.com/office/drawing/2014/main" id="{FAB7DAB8-07FB-28B3-E906-2F392D056A4A}"/>
+              </a:ext>
+            </a:extLst>
+          </p:cNvPr>
+          <p:cNvSpPr>
+            <a:spLocks noGrp="1" noRot="1" noChangeAspect="1"/>
+          </p:cNvSpPr>
+          <p:nvPr>
+            <p:ph type="sldImg" idx="2"/>
+          </p:nvPr>
+        </p:nvSpPr>
+        <p:spPr>
+          <a:xfrm>
+            <a:off x="381000" y="685800"/>
+            <a:ext cx="6096000" cy="3429000"/>
+          </a:xfrm>
+          <a:custGeom>
+            <a:avLst/>
+            <a:gdLst/>
+            <a:ahLst/>
+            <a:cxnLst/>
+            <a:rect l="l" t="t" r="r" b="b"/>
+            <a:pathLst>
+              <a:path w="120000" h="120000" extrusionOk="0">
+                <a:moveTo>
+                  <a:pt x="0" y="0"/>
+                </a:moveTo>
+                <a:lnTo>
+                  <a:pt x="120000" y="0"/>
+                </a:lnTo>
+                <a:lnTo>
+                  <a:pt x="120000" y="120000"/>
+                </a:lnTo>
+                <a:lnTo>
+                  <a:pt x="0" y="120000"/>
+                </a:lnTo>
+                <a:close/>
+              </a:path>
+            </a:pathLst>
+          </a:custGeom>
+        </p:spPr>
+      </p:sp>
+      <p:sp>
+        <p:nvSpPr>
+          <p:cNvPr id="590" name="Google Shape;590;g29a7acb6325_0_402:notes">
+            <a:extLst>
+              <a:ext uri="{FF2B5EF4-FFF2-40B4-BE49-F238E27FC236}">
+                <a16:creationId xmlns:a16="http://schemas.microsoft.com/office/drawing/2014/main" id="{7D70F5AF-DB2F-049D-07EB-3B2EF77E02EF}"/>
+              </a:ext>
+            </a:extLst>
+          </p:cNvPr>
+          <p:cNvSpPr txBox="1">
+            <a:spLocks noGrp="1"/>
+          </p:cNvSpPr>
+          <p:nvPr>
+            <p:ph type="body" idx="1"/>
+          </p:nvPr>
+        </p:nvSpPr>
+        <p:spPr>
+          <a:xfrm>
+            <a:off x="685800" y="4343400"/>
+            <a:ext cx="5486400" cy="4114800"/>
+          </a:xfrm>
+          <a:prstGeom prst="rect">
+            <a:avLst/>
+          </a:prstGeom>
+        </p:spPr>
+        <p:txBody>
+          <a:bodyPr spcFirstLastPara="1" wrap="square" lIns="91425" tIns="91425" rIns="91425" bIns="91425" anchor="t" anchorCtr="0">
+            <a:noAutofit/>
+          </a:bodyPr>
+          <a:lstStyle/>
+          <a:p>
+            <a:pPr marL="0" lvl="0" indent="0" algn="l" rtl="0">
+              <a:spcBef>
+                <a:spcPts val="0"/>
+              </a:spcBef>
+              <a:spcAft>
+                <a:spcPts val="0"/>
+              </a:spcAft>
+              <a:buNone/>
+            </a:pPr>
+            <a:endParaRPr/>
+          </a:p>
+        </p:txBody>
+      </p:sp>
+    </p:spTree>
+    <p:extLst>
+      <p:ext uri="{BB962C8B-B14F-4D97-AF65-F5344CB8AC3E}">
+        <p14:creationId xmlns:p14="http://schemas.microsoft.com/office/powerpoint/2010/main" val="3817774585"/>
+      </p:ext>
+    </p:extLst>
+  </p:cSld>
+  <p:clrMapOvr>
+    <a:masterClrMapping/>
+  </p:clrMapOvr>
+</p:notes>
+</file>
+
+<file path=ppt/notesSlides/notesSlide16.xml><?xml version="1.0" encoding="utf-8"?>
+<p:notes xmlns:a="http://schemas.openxmlformats.org/drawingml/2006/main" xmlns:r="http://schemas.openxmlformats.org/officeDocument/2006/relationships" xmlns:p="http://schemas.openxmlformats.org/presentationml/2006/main" showMasterSp="0" showMasterPhAnim="0">
+  <p:cSld>
+    <p:spTree>
+      <p:nvGrpSpPr>
         <p:cNvPr id="1" name="Shape 1118"/>
         <p:cNvGrpSpPr/>
         <p:nvPr/>
@@ -1394,7 +1650,7 @@
 </p:notes>
 </file>
 
-<file path=ppt/notesSlides/notesSlide15.xml><?xml version="1.0" encoding="utf-8"?>
+<file path=ppt/notesSlides/notesSlide17.xml><?xml version="1.0" encoding="utf-8"?>
 <p:notes xmlns:a="http://schemas.openxmlformats.org/drawingml/2006/main" xmlns:r="http://schemas.openxmlformats.org/officeDocument/2006/relationships" xmlns:p="http://schemas.openxmlformats.org/presentationml/2006/main" showMasterSp="0" showMasterPhAnim="0">
   <p:cSld>
     <p:spTree>
@@ -1503,7 +1759,7 @@
 </p:notes>
 </file>
 
-<file path=ppt/notesSlides/notesSlide16.xml><?xml version="1.0" encoding="utf-8"?>
+<file path=ppt/notesSlides/notesSlide18.xml><?xml version="1.0" encoding="utf-8"?>
 <p:notes xmlns:a="http://schemas.openxmlformats.org/drawingml/2006/main" xmlns:r="http://schemas.openxmlformats.org/officeDocument/2006/relationships" xmlns:p="http://schemas.openxmlformats.org/presentationml/2006/main" showMasterSp="0" showMasterPhAnim="0">
   <p:cSld>
     <p:spTree>
@@ -40856,6 +41112,746 @@
   <p:cSld>
     <p:spTree>
       <p:nvGrpSpPr>
+        <p:cNvPr id="1" name="Shape 591">
+          <a:extLst>
+            <a:ext uri="{FF2B5EF4-FFF2-40B4-BE49-F238E27FC236}">
+              <a16:creationId xmlns:a16="http://schemas.microsoft.com/office/drawing/2014/main" id="{99D70702-DF82-9827-16C3-738C4A5328D5}"/>
+            </a:ext>
+          </a:extLst>
+        </p:cNvPr>
+        <p:cNvGrpSpPr/>
+        <p:nvPr/>
+      </p:nvGrpSpPr>
+      <p:grpSpPr>
+        <a:xfrm>
+          <a:off x="0" y="0"/>
+          <a:ext cx="0" cy="0"/>
+          <a:chOff x="0" y="0"/>
+          <a:chExt cx="0" cy="0"/>
+        </a:xfrm>
+      </p:grpSpPr>
+      <p:sp>
+        <p:nvSpPr>
+          <p:cNvPr id="592" name="Google Shape;592;p18">
+            <a:extLst>
+              <a:ext uri="{FF2B5EF4-FFF2-40B4-BE49-F238E27FC236}">
+                <a16:creationId xmlns:a16="http://schemas.microsoft.com/office/drawing/2014/main" id="{835D561D-CC89-D81F-314B-4413449D0784}"/>
+              </a:ext>
+            </a:extLst>
+          </p:cNvPr>
+          <p:cNvSpPr txBox="1">
+            <a:spLocks noGrp="1"/>
+          </p:cNvSpPr>
+          <p:nvPr>
+            <p:ph type="title"/>
+          </p:nvPr>
+        </p:nvSpPr>
+        <p:spPr>
+          <a:xfrm>
+            <a:off x="713250" y="178624"/>
+            <a:ext cx="7717500" cy="988554"/>
+          </a:xfrm>
+          <a:prstGeom prst="rect">
+            <a:avLst/>
+          </a:prstGeom>
+        </p:spPr>
+        <p:txBody>
+          <a:bodyPr spcFirstLastPara="1" wrap="square" lIns="91425" tIns="91425" rIns="91425" bIns="91425" anchor="t" anchorCtr="0">
+            <a:noAutofit/>
+          </a:bodyPr>
+          <a:lstStyle/>
+          <a:p>
+            <a:r>
+              <a:rPr lang="fr-FR" dirty="0">
+                <a:latin typeface="Anaheim" panose="02000503000000000000" pitchFamily="2" charset="0"/>
+              </a:rPr>
+              <a:t>Outils pratiques pour une gestion financière efficace :</a:t>
+            </a:r>
+          </a:p>
+        </p:txBody>
+      </p:sp>
+      <p:sp>
+        <p:nvSpPr>
+          <p:cNvPr id="14" name="TextBox 13">
+            <a:extLst>
+              <a:ext uri="{FF2B5EF4-FFF2-40B4-BE49-F238E27FC236}">
+                <a16:creationId xmlns:a16="http://schemas.microsoft.com/office/drawing/2014/main" id="{0A74BA11-9BDB-513D-2994-290C86E5411F}"/>
+              </a:ext>
+            </a:extLst>
+          </p:cNvPr>
+          <p:cNvSpPr txBox="1"/>
+          <p:nvPr/>
+        </p:nvSpPr>
+        <p:spPr>
+          <a:xfrm>
+            <a:off x="597865" y="1534545"/>
+            <a:ext cx="6213671" cy="2554545"/>
+          </a:xfrm>
+          <a:prstGeom prst="rect">
+            <a:avLst/>
+          </a:prstGeom>
+          <a:noFill/>
+        </p:spPr>
+        <p:txBody>
+          <a:bodyPr wrap="square" lIns="91440" tIns="45720" rIns="91440" bIns="45720" anchor="t">
+            <a:spAutoFit/>
+          </a:bodyPr>
+          <a:lstStyle/>
+          <a:p>
+            <a:r>
+              <a:rPr lang="en-US" sz="1600" dirty="0">
+                <a:solidFill>
+                  <a:schemeClr val="accent1">
+                    <a:lumMod val="90000"/>
+                    <a:lumOff val="10000"/>
+                  </a:schemeClr>
+                </a:solidFill>
+              </a:rPr>
+              <a:t>1- </a:t>
+            </a:r>
+            <a:r>
+              <a:rPr lang="ar-MA" sz="1600" dirty="0" err="1">
+                <a:solidFill>
+                  <a:schemeClr val="accent1">
+                    <a:lumMod val="90000"/>
+                    <a:lumOff val="10000"/>
+                  </a:schemeClr>
+                </a:solidFill>
+              </a:rPr>
+              <a:t>Applications</a:t>
+            </a:r>
+            <a:r>
+              <a:rPr lang="ar-MA" sz="1600" dirty="0">
+                <a:solidFill>
+                  <a:schemeClr val="accent1">
+                    <a:lumMod val="90000"/>
+                    <a:lumOff val="10000"/>
+                  </a:schemeClr>
+                </a:solidFill>
+              </a:rPr>
+              <a:t> </a:t>
+            </a:r>
+            <a:r>
+              <a:rPr lang="ar-MA" sz="1600" dirty="0" err="1">
+                <a:solidFill>
+                  <a:schemeClr val="accent1">
+                    <a:lumMod val="90000"/>
+                    <a:lumOff val="10000"/>
+                  </a:schemeClr>
+                </a:solidFill>
+              </a:rPr>
+              <a:t>de</a:t>
+            </a:r>
+            <a:r>
+              <a:rPr lang="ar-MA" sz="1600" dirty="0">
+                <a:solidFill>
+                  <a:schemeClr val="accent1">
+                    <a:lumMod val="90000"/>
+                    <a:lumOff val="10000"/>
+                  </a:schemeClr>
+                </a:solidFill>
+              </a:rPr>
+              <a:t> </a:t>
+            </a:r>
+            <a:r>
+              <a:rPr lang="ar-MA" sz="1600" dirty="0" err="1">
+                <a:solidFill>
+                  <a:schemeClr val="accent1">
+                    <a:lumMod val="90000"/>
+                    <a:lumOff val="10000"/>
+                  </a:schemeClr>
+                </a:solidFill>
+              </a:rPr>
+              <a:t>Budgétisation</a:t>
+            </a:r>
+            <a:r>
+              <a:rPr lang="ar-MA" sz="1600" dirty="0">
+                <a:solidFill>
+                  <a:schemeClr val="accent1">
+                    <a:lumMod val="90000"/>
+                    <a:lumOff val="10000"/>
+                  </a:schemeClr>
+                </a:solidFill>
+              </a:rPr>
+              <a:t> :</a:t>
+            </a:r>
+            <a:endParaRPr lang="fr-FR" sz="1600" dirty="0" err="1">
+              <a:solidFill>
+                <a:schemeClr val="accent1">
+                  <a:lumMod val="90000"/>
+                  <a:lumOff val="10000"/>
+                </a:schemeClr>
+              </a:solidFill>
+            </a:endParaRPr>
+          </a:p>
+          <a:p>
+            <a:pPr marL="285750" indent="-285750">
+              <a:buChar char="•"/>
+            </a:pPr>
+            <a:r>
+              <a:rPr lang="ar-MA" sz="1600" b="1" dirty="0" err="1"/>
+              <a:t>Mint</a:t>
+            </a:r>
+            <a:r>
+              <a:rPr lang="ar-MA" sz="1600" dirty="0"/>
+              <a:t> : </a:t>
+            </a:r>
+            <a:r>
+              <a:rPr lang="ar-MA" sz="1600" dirty="0" err="1"/>
+              <a:t>Suivi</a:t>
+            </a:r>
+            <a:r>
+              <a:rPr lang="ar-MA" sz="1600" dirty="0"/>
+              <a:t> </a:t>
+            </a:r>
+            <a:r>
+              <a:rPr lang="ar-MA" sz="1600" dirty="0" err="1"/>
+              <a:t>automatique</a:t>
+            </a:r>
+            <a:r>
+              <a:rPr lang="ar-MA" sz="1600" dirty="0"/>
+              <a:t> </a:t>
+            </a:r>
+            <a:r>
+              <a:rPr lang="ar-MA" sz="1600" dirty="0" err="1"/>
+              <a:t>des</a:t>
+            </a:r>
+            <a:r>
+              <a:rPr lang="ar-MA" sz="1600" dirty="0"/>
+              <a:t> </a:t>
+            </a:r>
+            <a:r>
+              <a:rPr lang="ar-MA" sz="1600" dirty="0" err="1"/>
+              <a:t>dépenses</a:t>
+            </a:r>
+            <a:r>
+              <a:rPr lang="ar-MA" sz="1600" dirty="0"/>
+              <a:t> </a:t>
+            </a:r>
+            <a:r>
+              <a:rPr lang="ar-MA" sz="1600" dirty="0" err="1"/>
+              <a:t>et</a:t>
+            </a:r>
+            <a:r>
+              <a:rPr lang="ar-MA" sz="1600" dirty="0"/>
+              <a:t> </a:t>
+            </a:r>
+            <a:r>
+              <a:rPr lang="ar-MA" sz="1600" dirty="0" err="1"/>
+              <a:t>des</a:t>
+            </a:r>
+            <a:r>
+              <a:rPr lang="ar-MA" sz="1600" dirty="0"/>
+              <a:t> </a:t>
+            </a:r>
+            <a:r>
+              <a:rPr lang="ar-MA" sz="1600" dirty="0" err="1"/>
+              <a:t>revenus</a:t>
+            </a:r>
+            <a:r>
+              <a:rPr lang="ar-MA" sz="1600" dirty="0"/>
+              <a:t>, </a:t>
+            </a:r>
+            <a:r>
+              <a:rPr lang="ar-MA" sz="1600" dirty="0" err="1"/>
+              <a:t>idéal</a:t>
+            </a:r>
+            <a:r>
+              <a:rPr lang="ar-MA" sz="1600" dirty="0"/>
+              <a:t> </a:t>
+            </a:r>
+            <a:r>
+              <a:rPr lang="ar-MA" sz="1600" dirty="0" err="1"/>
+              <a:t>pour</a:t>
+            </a:r>
+            <a:r>
+              <a:rPr lang="ar-MA" sz="1600" dirty="0"/>
+              <a:t> </a:t>
+            </a:r>
+            <a:r>
+              <a:rPr lang="ar-MA" sz="1600" dirty="0" err="1"/>
+              <a:t>un</a:t>
+            </a:r>
+            <a:r>
+              <a:rPr lang="ar-MA" sz="1600" dirty="0"/>
+              <a:t> </a:t>
+            </a:r>
+            <a:r>
+              <a:rPr lang="ar-MA" sz="1600" dirty="0" err="1"/>
+              <a:t>aperçu</a:t>
+            </a:r>
+            <a:r>
+              <a:rPr lang="ar-MA" sz="1600" dirty="0"/>
+              <a:t> </a:t>
+            </a:r>
+            <a:r>
+              <a:rPr lang="ar-MA" sz="1600" dirty="0" err="1"/>
+              <a:t>global</a:t>
+            </a:r>
+            <a:r>
+              <a:rPr lang="ar-MA" sz="1600" dirty="0"/>
+              <a:t> </a:t>
+            </a:r>
+            <a:r>
+              <a:rPr lang="ar-MA" sz="1600" dirty="0" err="1"/>
+              <a:t>de</a:t>
+            </a:r>
+            <a:r>
+              <a:rPr lang="ar-MA" sz="1600" dirty="0"/>
+              <a:t> </a:t>
+            </a:r>
+            <a:r>
+              <a:rPr lang="ar-MA" sz="1600" dirty="0" err="1"/>
+              <a:t>vos</a:t>
+            </a:r>
+            <a:r>
+              <a:rPr lang="ar-MA" sz="1600" dirty="0"/>
+              <a:t> </a:t>
+            </a:r>
+            <a:r>
+              <a:rPr lang="ar-MA" sz="1600" dirty="0" err="1"/>
+              <a:t>finances</a:t>
+            </a:r>
+            <a:r>
+              <a:rPr lang="ar-MA" sz="1600" dirty="0"/>
+              <a:t>.</a:t>
+            </a:r>
+            <a:endParaRPr lang="ar-MA" dirty="0"/>
+          </a:p>
+          <a:p>
+            <a:endParaRPr lang="ar-MA" sz="1600" dirty="0"/>
+          </a:p>
+          <a:p>
+            <a:endParaRPr lang="ar-MA" sz="1600" dirty="0"/>
+          </a:p>
+          <a:p>
+            <a:endParaRPr lang="ar-MA" sz="1600" dirty="0"/>
+          </a:p>
+          <a:p>
+            <a:pPr marL="285750" indent="-285750">
+              <a:buChar char="•"/>
+            </a:pPr>
+            <a:r>
+              <a:rPr lang="ar-MA" sz="1600" b="1" dirty="0"/>
+              <a:t>YNAB</a:t>
+            </a:r>
+            <a:r>
+              <a:rPr lang="ar-MA" sz="1600" dirty="0"/>
+              <a:t> :(</a:t>
+            </a:r>
+            <a:r>
+              <a:rPr lang="ar-MA" sz="1600" dirty="0" err="1"/>
+              <a:t>You</a:t>
+            </a:r>
+            <a:r>
+              <a:rPr lang="ar-MA" sz="1600" dirty="0"/>
+              <a:t> </a:t>
+            </a:r>
+            <a:r>
+              <a:rPr lang="ar-MA" sz="1600" dirty="0" err="1"/>
+              <a:t>Need</a:t>
+            </a:r>
+            <a:r>
+              <a:rPr lang="ar-MA" sz="1600" dirty="0"/>
+              <a:t> A </a:t>
+            </a:r>
+            <a:r>
+              <a:rPr lang="ar-MA" sz="1600" dirty="0" err="1"/>
+              <a:t>Budget</a:t>
+            </a:r>
+            <a:r>
+              <a:rPr lang="ar-MA" sz="1600" dirty="0"/>
+              <a:t>) : </a:t>
+            </a:r>
+            <a:r>
+              <a:rPr lang="ar-MA" sz="1600" dirty="0" err="1"/>
+              <a:t>Aide</a:t>
+            </a:r>
+            <a:r>
+              <a:rPr lang="ar-MA" sz="1600" dirty="0"/>
+              <a:t> à </a:t>
+            </a:r>
+            <a:r>
+              <a:rPr lang="ar-MA" sz="1600" dirty="0" err="1"/>
+              <a:t>créer</a:t>
+            </a:r>
+            <a:r>
+              <a:rPr lang="ar-MA" sz="1600" dirty="0"/>
+              <a:t> </a:t>
+            </a:r>
+            <a:r>
+              <a:rPr lang="ar-MA" sz="1600" dirty="0" err="1"/>
+              <a:t>un</a:t>
+            </a:r>
+            <a:r>
+              <a:rPr lang="ar-MA" sz="1600" dirty="0"/>
+              <a:t> </a:t>
+            </a:r>
+            <a:r>
+              <a:rPr lang="ar-MA" sz="1600" dirty="0" err="1"/>
+              <a:t>budget</a:t>
+            </a:r>
+            <a:r>
+              <a:rPr lang="ar-MA" sz="1600" dirty="0"/>
+              <a:t> </a:t>
+            </a:r>
+            <a:r>
+              <a:rPr lang="ar-MA" sz="1600" dirty="0" err="1"/>
+              <a:t>basé</a:t>
+            </a:r>
+            <a:r>
+              <a:rPr lang="ar-MA" sz="1600" dirty="0"/>
+              <a:t> </a:t>
+            </a:r>
+            <a:r>
+              <a:rPr lang="ar-MA" sz="1600" dirty="0" err="1"/>
+              <a:t>sur</a:t>
+            </a:r>
+            <a:r>
+              <a:rPr lang="ar-MA" sz="1600" dirty="0"/>
+              <a:t> </a:t>
+            </a:r>
+            <a:r>
+              <a:rPr lang="ar-MA" sz="1600" dirty="0" err="1"/>
+              <a:t>des</a:t>
+            </a:r>
+            <a:r>
+              <a:rPr lang="ar-MA" sz="1600" dirty="0"/>
+              <a:t> </a:t>
+            </a:r>
+            <a:r>
+              <a:rPr lang="ar-MA" sz="1600" dirty="0" err="1"/>
+              <a:t>objectifs</a:t>
+            </a:r>
+            <a:r>
+              <a:rPr lang="ar-MA" sz="1600" dirty="0"/>
+              <a:t> </a:t>
+            </a:r>
+            <a:r>
+              <a:rPr lang="ar-MA" sz="1600" dirty="0" err="1"/>
+              <a:t>spécifiques</a:t>
+            </a:r>
+            <a:r>
+              <a:rPr lang="ar-MA" sz="1600" dirty="0"/>
+              <a:t>, </a:t>
+            </a:r>
+            <a:r>
+              <a:rPr lang="ar-MA" sz="1600" dirty="0" err="1"/>
+              <a:t>pour</a:t>
+            </a:r>
+            <a:r>
+              <a:rPr lang="ar-MA" sz="1600" dirty="0"/>
+              <a:t> </a:t>
+            </a:r>
+            <a:r>
+              <a:rPr lang="ar-MA" sz="1600" dirty="0" err="1"/>
+              <a:t>un</a:t>
+            </a:r>
+            <a:r>
+              <a:rPr lang="ar-MA" sz="1600" dirty="0"/>
+              <a:t> </a:t>
+            </a:r>
+            <a:r>
+              <a:rPr lang="ar-MA" sz="1600" dirty="0" err="1"/>
+              <a:t>contrôle</a:t>
+            </a:r>
+            <a:r>
+              <a:rPr lang="ar-MA" sz="1600" dirty="0"/>
+              <a:t> </a:t>
+            </a:r>
+            <a:r>
+              <a:rPr lang="ar-MA" sz="1600" dirty="0" err="1"/>
+              <a:t>actif</a:t>
+            </a:r>
+            <a:r>
+              <a:rPr lang="ar-MA" sz="1600" dirty="0"/>
+              <a:t> </a:t>
+            </a:r>
+            <a:r>
+              <a:rPr lang="ar-MA" sz="1600" dirty="0" err="1"/>
+              <a:t>de</a:t>
+            </a:r>
+            <a:r>
+              <a:rPr lang="ar-MA" sz="1600" dirty="0"/>
+              <a:t> </a:t>
+            </a:r>
+            <a:r>
+              <a:rPr lang="ar-MA" sz="1600" dirty="0" err="1"/>
+              <a:t>vos</a:t>
+            </a:r>
+            <a:r>
+              <a:rPr lang="ar-MA" sz="1600" dirty="0"/>
+              <a:t> </a:t>
+            </a:r>
+            <a:r>
+              <a:rPr lang="ar-MA" sz="1600" dirty="0" err="1"/>
+              <a:t>finances</a:t>
+            </a:r>
+            <a:r>
+              <a:rPr lang="ar-MA" sz="1600" dirty="0"/>
+              <a:t>.</a:t>
+            </a:r>
+            <a:endParaRPr lang="ar-MA" dirty="0"/>
+          </a:p>
+          <a:p>
+            <a:endParaRPr lang="ar-MA" sz="1600" dirty="0"/>
+          </a:p>
+          <a:p>
+            <a:endParaRPr lang="ar-MA" sz="1600" dirty="0"/>
+          </a:p>
+        </p:txBody>
+      </p:sp>
+      <p:pic>
+        <p:nvPicPr>
+          <p:cNvPr id="2" name="Image 1" descr="Une image contenant Police, Graphique, logo, symbole&#10;&#10;Le contenu généré par l’IA peut être incorrect.">
+            <a:extLst>
+              <a:ext uri="{FF2B5EF4-FFF2-40B4-BE49-F238E27FC236}">
+                <a16:creationId xmlns:a16="http://schemas.microsoft.com/office/drawing/2014/main" id="{77FD5035-7719-E725-7C28-C20D35EEF4B5}"/>
+              </a:ext>
+            </a:extLst>
+          </p:cNvPr>
+          <p:cNvPicPr>
+            <a:picLocks noChangeAspect="1"/>
+          </p:cNvPicPr>
+          <p:nvPr/>
+        </p:nvPicPr>
+        <p:blipFill>
+          <a:blip r:embed="rId3"/>
+          <a:stretch>
+            <a:fillRect/>
+          </a:stretch>
+        </p:blipFill>
+        <p:spPr>
+          <a:xfrm>
+            <a:off x="6816870" y="1538720"/>
+            <a:ext cx="1246044" cy="1151660"/>
+          </a:xfrm>
+          <a:prstGeom prst="rect">
+            <a:avLst/>
+          </a:prstGeom>
+        </p:spPr>
+      </p:pic>
+      <p:pic>
+        <p:nvPicPr>
+          <p:cNvPr id="3" name="Image 2" descr="Une image contenant symbole, Bleu électrique, conception&#10;&#10;Le contenu généré par l’IA peut être incorrect.">
+            <a:extLst>
+              <a:ext uri="{FF2B5EF4-FFF2-40B4-BE49-F238E27FC236}">
+                <a16:creationId xmlns:a16="http://schemas.microsoft.com/office/drawing/2014/main" id="{A88891AD-FC92-DCB2-D7C6-A074C1397A9A}"/>
+              </a:ext>
+            </a:extLst>
+          </p:cNvPr>
+          <p:cNvPicPr>
+            <a:picLocks noChangeAspect="1"/>
+          </p:cNvPicPr>
+          <p:nvPr/>
+        </p:nvPicPr>
+        <p:blipFill>
+          <a:blip r:embed="rId4"/>
+          <a:stretch>
+            <a:fillRect/>
+          </a:stretch>
+        </p:blipFill>
+        <p:spPr>
+          <a:xfrm>
+            <a:off x="6815570" y="2862695"/>
+            <a:ext cx="1248641" cy="1236518"/>
+          </a:xfrm>
+          <a:prstGeom prst="rect">
+            <a:avLst/>
+          </a:prstGeom>
+        </p:spPr>
+      </p:pic>
+    </p:spTree>
+    <p:extLst>
+      <p:ext uri="{BB962C8B-B14F-4D97-AF65-F5344CB8AC3E}">
+        <p14:creationId xmlns:p14="http://schemas.microsoft.com/office/powerpoint/2010/main" val="1717934076"/>
+      </p:ext>
+    </p:extLst>
+  </p:cSld>
+  <p:clrMapOvr>
+    <a:masterClrMapping/>
+  </p:clrMapOvr>
+</p:sld>
+</file>
+
+<file path=ppt/slides/slide15.xml><?xml version="1.0" encoding="utf-8"?>
+<p:sld xmlns:a="http://schemas.openxmlformats.org/drawingml/2006/main" xmlns:r="http://schemas.openxmlformats.org/officeDocument/2006/relationships" xmlns:p="http://schemas.openxmlformats.org/presentationml/2006/main">
+  <p:cSld>
+    <p:spTree>
+      <p:nvGrpSpPr>
+        <p:cNvPr id="1" name="Shape 591">
+          <a:extLst>
+            <a:ext uri="{FF2B5EF4-FFF2-40B4-BE49-F238E27FC236}">
+              <a16:creationId xmlns:a16="http://schemas.microsoft.com/office/drawing/2014/main" id="{2C091F6E-7900-D91F-0ADE-43B20C3C4ACC}"/>
+            </a:ext>
+          </a:extLst>
+        </p:cNvPr>
+        <p:cNvGrpSpPr/>
+        <p:nvPr/>
+      </p:nvGrpSpPr>
+      <p:grpSpPr>
+        <a:xfrm>
+          <a:off x="0" y="0"/>
+          <a:ext cx="0" cy="0"/>
+          <a:chOff x="0" y="0"/>
+          <a:chExt cx="0" cy="0"/>
+        </a:xfrm>
+      </p:grpSpPr>
+      <p:sp>
+        <p:nvSpPr>
+          <p:cNvPr id="592" name="Google Shape;592;p18">
+            <a:extLst>
+              <a:ext uri="{FF2B5EF4-FFF2-40B4-BE49-F238E27FC236}">
+                <a16:creationId xmlns:a16="http://schemas.microsoft.com/office/drawing/2014/main" id="{7757BA4D-6748-5A51-1C0E-595F1507AF16}"/>
+              </a:ext>
+            </a:extLst>
+          </p:cNvPr>
+          <p:cNvSpPr txBox="1">
+            <a:spLocks noGrp="1"/>
+          </p:cNvSpPr>
+          <p:nvPr>
+            <p:ph type="title"/>
+          </p:nvPr>
+        </p:nvSpPr>
+        <p:spPr>
+          <a:xfrm>
+            <a:off x="713250" y="178624"/>
+            <a:ext cx="7717500" cy="988554"/>
+          </a:xfrm>
+          <a:prstGeom prst="rect">
+            <a:avLst/>
+          </a:prstGeom>
+        </p:spPr>
+        <p:txBody>
+          <a:bodyPr spcFirstLastPara="1" wrap="square" lIns="91425" tIns="91425" rIns="91425" bIns="91425" anchor="t" anchorCtr="0">
+            <a:noAutofit/>
+          </a:bodyPr>
+          <a:lstStyle/>
+          <a:p>
+            <a:r>
+              <a:rPr lang="fr-FR" dirty="0">
+                <a:latin typeface="Anaheim"/>
+              </a:rPr>
+              <a:t>Outils pratiques pour une gestion financière efficace :</a:t>
+            </a:r>
+          </a:p>
+        </p:txBody>
+      </p:sp>
+      <p:sp>
+        <p:nvSpPr>
+          <p:cNvPr id="4" name="ZoneTexte 3">
+            <a:extLst>
+              <a:ext uri="{FF2B5EF4-FFF2-40B4-BE49-F238E27FC236}">
+                <a16:creationId xmlns:a16="http://schemas.microsoft.com/office/drawing/2014/main" id="{28248A29-6F74-BF77-75BD-7F46582EDC2D}"/>
+              </a:ext>
+            </a:extLst>
+          </p:cNvPr>
+          <p:cNvSpPr txBox="1"/>
+          <p:nvPr/>
+        </p:nvSpPr>
+        <p:spPr>
+          <a:xfrm>
+            <a:off x="907332" y="1646294"/>
+            <a:ext cx="7193182" cy="2923877"/>
+          </a:xfrm>
+          <a:prstGeom prst="rect">
+            <a:avLst/>
+          </a:prstGeom>
+          <a:noFill/>
+        </p:spPr>
+        <p:txBody>
+          <a:bodyPr rot="0" spcFirstLastPara="0" vertOverflow="overflow" horzOverflow="overflow" vert="horz" wrap="square" lIns="91440" tIns="45720" rIns="91440" bIns="45720" numCol="1" spcCol="0" rtlCol="0" fromWordArt="0" anchor="t" anchorCtr="0" forceAA="0" compatLnSpc="1">
+            <a:prstTxWarp prst="textNoShape">
+              <a:avLst/>
+            </a:prstTxWarp>
+            <a:spAutoFit/>
+          </a:bodyPr>
+          <a:lstStyle/>
+          <a:p>
+            <a:r>
+              <a:rPr lang="fr-FR" sz="1600" dirty="0">
+                <a:solidFill>
+                  <a:schemeClr val="accent1">
+                    <a:lumMod val="90000"/>
+                    <a:lumOff val="10000"/>
+                  </a:schemeClr>
+                </a:solidFill>
+              </a:rPr>
+              <a:t>2-Tableurs pour une Meilleure Planification Financière</a:t>
+            </a:r>
+          </a:p>
+          <a:p>
+            <a:endParaRPr lang="fr-FR" b="1" dirty="0"/>
+          </a:p>
+          <a:p>
+            <a:pPr marL="285750" indent="-285750">
+              <a:buChar char="•"/>
+            </a:pPr>
+            <a:r>
+              <a:rPr lang="fr-FR" b="1" dirty="0"/>
+              <a:t>Pourquoi les utiliser</a:t>
+            </a:r>
+            <a:r>
+              <a:rPr lang="fr-FR" dirty="0"/>
+              <a:t> : Les tableurs comme Excel ou Google Sheets permettent de personnaliser entièrement la gestion de votre budget en fonction de vos besoins spécifiques. Vous pouvez créer des budgets mensuels, suivre vos dépenses, calculer les économies ou encore prévoir les objectifs d'épargne.</a:t>
+            </a:r>
+          </a:p>
+          <a:p>
+            <a:endParaRPr lang="fr-FR" dirty="0"/>
+          </a:p>
+          <a:p>
+            <a:pPr marL="285750" indent="-285750">
+              <a:buChar char="•"/>
+            </a:pPr>
+            <a:r>
+              <a:rPr lang="fr-FR" b="1" dirty="0"/>
+              <a:t>Exemple de tableau</a:t>
+            </a:r>
+            <a:r>
+              <a:rPr lang="fr-FR" dirty="0"/>
+              <a:t> : Un tableau simple de suivi des revenus et des dépenses avec des colonnes pour chaque catégorie (loyer, alimentation, loisirs, épargne, etc.).</a:t>
+            </a:r>
+          </a:p>
+          <a:p>
+            <a:endParaRPr lang="fr-FR" dirty="0"/>
+          </a:p>
+          <a:p>
+            <a:pPr marL="285750" indent="-285750">
+              <a:buChar char="•"/>
+            </a:pPr>
+            <a:r>
+              <a:rPr lang="fr-FR" b="1" dirty="0"/>
+              <a:t>Quand les utiliser</a:t>
+            </a:r>
+            <a:r>
+              <a:rPr lang="fr-FR" dirty="0"/>
+              <a:t> : Si vous préférez une solution manuelle et flexible, où vous pouvez avoir un contrôle total sur la structure et les calculs.</a:t>
+            </a:r>
+          </a:p>
+          <a:p>
+            <a:pPr algn="l"/>
+            <a:endParaRPr lang="fr-FR" dirty="0"/>
+          </a:p>
+        </p:txBody>
+      </p:sp>
+    </p:spTree>
+    <p:extLst>
+      <p:ext uri="{BB962C8B-B14F-4D97-AF65-F5344CB8AC3E}">
+        <p14:creationId xmlns:p14="http://schemas.microsoft.com/office/powerpoint/2010/main" val="2446594828"/>
+      </p:ext>
+    </p:extLst>
+  </p:cSld>
+  <p:clrMapOvr>
+    <a:masterClrMapping/>
+  </p:clrMapOvr>
+</p:sld>
+</file>
+
+<file path=ppt/slides/slide16.xml><?xml version="1.0" encoding="utf-8"?>
+<p:sld xmlns:a="http://schemas.openxmlformats.org/drawingml/2006/main" xmlns:r="http://schemas.openxmlformats.org/officeDocument/2006/relationships" xmlns:p="http://schemas.openxmlformats.org/presentationml/2006/main">
+  <p:cSld>
+    <p:spTree>
+      <p:nvGrpSpPr>
         <p:cNvPr id="1" name="Shape 1121"/>
         <p:cNvGrpSpPr/>
         <p:nvPr/>
@@ -41119,7 +42115,7 @@
 </p:sld>
 </file>
 
-<file path=ppt/slides/slide15.xml><?xml version="1.0" encoding="utf-8"?>
+<file path=ppt/slides/slide17.xml><?xml version="1.0" encoding="utf-8"?>
 <p:sld xmlns:a="http://schemas.openxmlformats.org/drawingml/2006/main" xmlns:r="http://schemas.openxmlformats.org/officeDocument/2006/relationships" xmlns:p="http://schemas.openxmlformats.org/presentationml/2006/main">
   <p:cSld>
     <p:spTree>
@@ -41198,7 +42194,7 @@
 </p:sld>
 </file>
 
-<file path=ppt/slides/slide16.xml><?xml version="1.0" encoding="utf-8"?>
+<file path=ppt/slides/slide18.xml><?xml version="1.0" encoding="utf-8"?>
 <p:sld xmlns:a="http://schemas.openxmlformats.org/drawingml/2006/main" xmlns:r="http://schemas.openxmlformats.org/officeDocument/2006/relationships" xmlns:p="http://schemas.openxmlformats.org/presentationml/2006/main">
   <p:cSld>
     <p:spTree>
